--- a/pertemuan_3/Pertemuan_3.pptx
+++ b/pertemuan_3/Pertemuan_3.pptx
@@ -10265,7 +10265,7 @@
             </a:r>
             <a:r>
               <a:rPr lang="en-US" sz="2000">
-                <a:hlinkClick r:id="rId1" tooltip="" action="ppaction://hlinkfile"/>
+                <a:hlinkClick r:id="rId1" action="ppaction://hlinkfile"/>
               </a:rPr>
               <a:t>https://docs.sqlalchemy.org/en/14/orm/query.html#sqlalchemy.orm.Query.join</a:t>
             </a:r>
@@ -14857,7 +14857,7 @@
                   <a:srgbClr val="FF0000"/>
                 </a:solidFill>
               </a:rPr>
-              <a:t>pertemuan_3\2_Flask_SQLAlchemy_config\config.py</a:t>
+              <a:t>pertemuan_3\2_Flask_SQLAlchemy_config\app.py</a:t>
             </a:r>
             <a:endParaRPr lang="en-US" sz="1600">
               <a:solidFill>
@@ -14909,6 +14909,189 @@
         <p:nvPr/>
       </p:nvGrpSpPr>
       <p:grpSpPr/>
+      <p:sp>
+        <p:nvSpPr>
+          <p:cNvPr id="7" name="Text Box 6"/>
+          <p:cNvSpPr txBox="1"/>
+          <p:nvPr/>
+        </p:nvSpPr>
+        <p:spPr>
+          <a:xfrm>
+            <a:off x="635000" y="1346835"/>
+            <a:ext cx="9006205" cy="5015865"/>
+          </a:xfrm>
+          <a:prstGeom prst="rect">
+            <a:avLst/>
+          </a:prstGeom>
+          <a:noFill/>
+        </p:spPr>
+        <p:txBody>
+          <a:bodyPr wrap="square" rtlCol="0" anchor="t">
+            <a:spAutoFit/>
+          </a:bodyPr>
+          <a:p>
+            <a:pPr marL="342900" indent="-342900">
+              <a:buFont typeface="Arial" panose="020B0604020202020204" pitchFamily="34" charset="0"/>
+              <a:buChar char="•"/>
+            </a:pPr>
+            <a:r>
+              <a:rPr lang="en-US" sz="2000"/>
+              <a:t>After configuration loaded inside </a:t>
+            </a:r>
+            <a:r>
+              <a:rPr lang="en-US" sz="2000" b="1"/>
+              <a:t>app.py</a:t>
+            </a:r>
+            <a:endParaRPr lang="en-US" sz="2000" b="1"/>
+          </a:p>
+          <a:p>
+            <a:pPr marL="342900" indent="-342900">
+              <a:buFont typeface="Arial" panose="020B0604020202020204" pitchFamily="34" charset="0"/>
+              <a:buChar char="•"/>
+            </a:pPr>
+            <a:r>
+              <a:rPr lang="en-US" sz="2000"/>
+              <a:t>Now, we need to define atlease one model inside </a:t>
+            </a:r>
+            <a:r>
+              <a:rPr lang="en-US" sz="2000" b="1"/>
+              <a:t>model.py</a:t>
+            </a:r>
+            <a:endParaRPr lang="en-US" sz="2000" b="1"/>
+          </a:p>
+          <a:p>
+            <a:pPr marL="342900" indent="-342900">
+              <a:buFont typeface="Arial" panose="020B0604020202020204" pitchFamily="34" charset="0"/>
+              <a:buChar char="•"/>
+            </a:pPr>
+            <a:endParaRPr lang="en-US" sz="2000" b="1"/>
+          </a:p>
+          <a:p>
+            <a:pPr marL="342900" indent="-342900">
+              <a:buFont typeface="Arial" panose="020B0604020202020204" pitchFamily="34" charset="0"/>
+              <a:buChar char="•"/>
+            </a:pPr>
+            <a:r>
+              <a:rPr lang="en-US" sz="2000"/>
+              <a:t>Creating a model </a:t>
+            </a:r>
+            <a:r>
+              <a:rPr lang="en-US" sz="2000" b="1"/>
+              <a:t>User </a:t>
+            </a:r>
+            <a:r>
+              <a:rPr lang="en-US" sz="2000"/>
+              <a:t>that inherit from </a:t>
+            </a:r>
+            <a:r>
+              <a:rPr lang="en-US" sz="2000" b="1"/>
+              <a:t>Model </a:t>
+            </a:r>
+            <a:r>
+              <a:rPr lang="en-US" sz="2000"/>
+              <a:t>Class SQLAlchemy, then define a field like below :</a:t>
+            </a:r>
+            <a:endParaRPr lang="en-US" sz="2000"/>
+          </a:p>
+          <a:p>
+            <a:pPr marL="342900" indent="-342900">
+              <a:buFont typeface="Arial" panose="020B0604020202020204" pitchFamily="34" charset="0"/>
+              <a:buChar char="•"/>
+            </a:pPr>
+            <a:endParaRPr lang="en-US" sz="2000"/>
+          </a:p>
+          <a:p>
+            <a:pPr marL="342900" indent="-342900">
+              <a:buFont typeface="Arial" panose="020B0604020202020204" pitchFamily="34" charset="0"/>
+              <a:buChar char="•"/>
+            </a:pPr>
+            <a:endParaRPr lang="en-US" sz="2000"/>
+          </a:p>
+          <a:p>
+            <a:pPr marL="342900" indent="-342900">
+              <a:buFont typeface="Arial" panose="020B0604020202020204" pitchFamily="34" charset="0"/>
+              <a:buChar char="•"/>
+            </a:pPr>
+            <a:endParaRPr lang="en-US" sz="2000"/>
+          </a:p>
+          <a:p>
+            <a:pPr marL="342900" indent="-342900">
+              <a:buFont typeface="Arial" panose="020B0604020202020204" pitchFamily="34" charset="0"/>
+              <a:buChar char="•"/>
+            </a:pPr>
+            <a:endParaRPr lang="en-US" sz="2000"/>
+          </a:p>
+          <a:p>
+            <a:pPr marL="342900" indent="-342900">
+              <a:buFont typeface="Arial" panose="020B0604020202020204" pitchFamily="34" charset="0"/>
+              <a:buChar char="•"/>
+            </a:pPr>
+            <a:endParaRPr lang="en-US" sz="2000"/>
+          </a:p>
+          <a:p>
+            <a:pPr marL="342900" indent="-342900">
+              <a:buFont typeface="Arial" panose="020B0604020202020204" pitchFamily="34" charset="0"/>
+              <a:buChar char="•"/>
+            </a:pPr>
+            <a:endParaRPr lang="en-US" sz="2000"/>
+          </a:p>
+          <a:p>
+            <a:pPr marL="342900" indent="-342900">
+              <a:buFont typeface="Arial" panose="020B0604020202020204" pitchFamily="34" charset="0"/>
+              <a:buChar char="•"/>
+            </a:pPr>
+            <a:endParaRPr lang="en-US" sz="2000"/>
+          </a:p>
+          <a:p>
+            <a:pPr marL="342900" indent="-342900">
+              <a:buFont typeface="Arial" panose="020B0604020202020204" pitchFamily="34" charset="0"/>
+              <a:buChar char="•"/>
+            </a:pPr>
+            <a:endParaRPr lang="en-US" sz="2000"/>
+          </a:p>
+          <a:p>
+            <a:pPr marL="342900" indent="-342900">
+              <a:buFont typeface="Arial" panose="020B0604020202020204" pitchFamily="34" charset="0"/>
+              <a:buChar char="•"/>
+            </a:pPr>
+            <a:endParaRPr lang="en-US" sz="2000"/>
+          </a:p>
+          <a:p>
+            <a:pPr marL="342900" indent="-342900">
+              <a:buFont typeface="Arial" panose="020B0604020202020204" pitchFamily="34" charset="0"/>
+              <a:buChar char="•"/>
+            </a:pPr>
+            <a:endParaRPr lang="en-US" sz="2000"/>
+          </a:p>
+          <a:p>
+            <a:pPr marL="342900" indent="-342900">
+              <a:buFont typeface="Arial" panose="020B0604020202020204" pitchFamily="34" charset="0"/>
+              <a:buChar char="•"/>
+            </a:pPr>
+            <a:r>
+              <a:rPr lang="en-US" sz="2000"/>
+              <a:t>More detail about </a:t>
+            </a:r>
+            <a:r>
+              <a:rPr lang="en-US" sz="2000" b="1"/>
+              <a:t>Model </a:t>
+            </a:r>
+            <a:r>
+              <a:rPr lang="en-US" sz="2000"/>
+              <a:t>and it’s </a:t>
+            </a:r>
+            <a:r>
+              <a:rPr lang="en-US" sz="2000" b="1"/>
+              <a:t>relationship </a:t>
+            </a:r>
+            <a:r>
+              <a:rPr lang="en-US" sz="2000"/>
+              <a:t>will be explained in the next slide.</a:t>
+            </a:r>
+            <a:endParaRPr lang="en-US" sz="2000"/>
+          </a:p>
+        </p:txBody>
+      </p:sp>
       <p:pic>
         <p:nvPicPr>
           <p:cNvPr id="4" name="Picture 3"/>
@@ -14926,7 +15109,7 @@
         <p:spPr>
           <a:xfrm>
             <a:off x="1079500" y="3117850"/>
-            <a:ext cx="5791200" cy="2114550"/>
+            <a:ext cx="7399655" cy="2701925"/>
           </a:xfrm>
           <a:prstGeom prst="rect">
             <a:avLst/>
@@ -15018,175 +15201,6 @@
               <a:latin typeface="TeXGyreAdventor" panose="00000500000000000000" charset="0"/>
               <a:cs typeface="TeXGyreAdventor" panose="00000500000000000000" charset="0"/>
             </a:endParaRPr>
-          </a:p>
-        </p:txBody>
-      </p:sp>
-      <p:sp>
-        <p:nvSpPr>
-          <p:cNvPr id="7" name="Text Box 6"/>
-          <p:cNvSpPr txBox="1"/>
-          <p:nvPr/>
-        </p:nvSpPr>
-        <p:spPr>
-          <a:xfrm>
-            <a:off x="635000" y="1346835"/>
-            <a:ext cx="9006205" cy="4399915"/>
-          </a:xfrm>
-          <a:prstGeom prst="rect">
-            <a:avLst/>
-          </a:prstGeom>
-          <a:noFill/>
-        </p:spPr>
-        <p:txBody>
-          <a:bodyPr wrap="square" rtlCol="0" anchor="t">
-            <a:spAutoFit/>
-          </a:bodyPr>
-          <a:p>
-            <a:pPr marL="342900" indent="-342900">
-              <a:buFont typeface="Arial" panose="020B0604020202020204" pitchFamily="34" charset="0"/>
-              <a:buChar char="•"/>
-            </a:pPr>
-            <a:r>
-              <a:rPr lang="en-US" sz="2000"/>
-              <a:t>After configuration loaded inside </a:t>
-            </a:r>
-            <a:r>
-              <a:rPr lang="en-US" sz="2000" b="1"/>
-              <a:t>app.py</a:t>
-            </a:r>
-            <a:endParaRPr lang="en-US" sz="2000" b="1"/>
-          </a:p>
-          <a:p>
-            <a:pPr marL="342900" indent="-342900">
-              <a:buFont typeface="Arial" panose="020B0604020202020204" pitchFamily="34" charset="0"/>
-              <a:buChar char="•"/>
-            </a:pPr>
-            <a:r>
-              <a:rPr lang="en-US" sz="2000"/>
-              <a:t>Now, we need to define atlease one model inside </a:t>
-            </a:r>
-            <a:r>
-              <a:rPr lang="en-US" sz="2000" b="1"/>
-              <a:t>model.py</a:t>
-            </a:r>
-            <a:endParaRPr lang="en-US" sz="2000" b="1"/>
-          </a:p>
-          <a:p>
-            <a:pPr marL="342900" indent="-342900">
-              <a:buFont typeface="Arial" panose="020B0604020202020204" pitchFamily="34" charset="0"/>
-              <a:buChar char="•"/>
-            </a:pPr>
-            <a:endParaRPr lang="en-US" sz="2000" b="1"/>
-          </a:p>
-          <a:p>
-            <a:pPr marL="342900" indent="-342900">
-              <a:buFont typeface="Arial" panose="020B0604020202020204" pitchFamily="34" charset="0"/>
-              <a:buChar char="•"/>
-            </a:pPr>
-            <a:r>
-              <a:rPr lang="en-US" sz="2000"/>
-              <a:t>Creating a model </a:t>
-            </a:r>
-            <a:r>
-              <a:rPr lang="en-US" sz="2000" b="1"/>
-              <a:t>User </a:t>
-            </a:r>
-            <a:r>
-              <a:rPr lang="en-US" sz="2000"/>
-              <a:t>that inherit from </a:t>
-            </a:r>
-            <a:r>
-              <a:rPr lang="en-US" sz="2000" b="1"/>
-              <a:t>Model </a:t>
-            </a:r>
-            <a:r>
-              <a:rPr lang="en-US" sz="2000"/>
-              <a:t>Class SQLAlchemy, then define a field like below :</a:t>
-            </a:r>
-            <a:endParaRPr lang="en-US" sz="2000"/>
-          </a:p>
-          <a:p>
-            <a:pPr marL="342900" indent="-342900">
-              <a:buFont typeface="Arial" panose="020B0604020202020204" pitchFamily="34" charset="0"/>
-              <a:buChar char="•"/>
-            </a:pPr>
-            <a:endParaRPr lang="en-US" sz="2000"/>
-          </a:p>
-          <a:p>
-            <a:pPr marL="342900" indent="-342900">
-              <a:buFont typeface="Arial" panose="020B0604020202020204" pitchFamily="34" charset="0"/>
-              <a:buChar char="•"/>
-            </a:pPr>
-            <a:endParaRPr lang="en-US" sz="2000"/>
-          </a:p>
-          <a:p>
-            <a:pPr marL="342900" indent="-342900">
-              <a:buFont typeface="Arial" panose="020B0604020202020204" pitchFamily="34" charset="0"/>
-              <a:buChar char="•"/>
-            </a:pPr>
-            <a:endParaRPr lang="en-US" sz="2000"/>
-          </a:p>
-          <a:p>
-            <a:pPr marL="342900" indent="-342900">
-              <a:buFont typeface="Arial" panose="020B0604020202020204" pitchFamily="34" charset="0"/>
-              <a:buChar char="•"/>
-            </a:pPr>
-            <a:endParaRPr lang="en-US" sz="2000"/>
-          </a:p>
-          <a:p>
-            <a:pPr marL="342900" indent="-342900">
-              <a:buFont typeface="Arial" panose="020B0604020202020204" pitchFamily="34" charset="0"/>
-              <a:buChar char="•"/>
-            </a:pPr>
-            <a:endParaRPr lang="en-US" sz="2000"/>
-          </a:p>
-          <a:p>
-            <a:pPr marL="342900" indent="-342900">
-              <a:buFont typeface="Arial" panose="020B0604020202020204" pitchFamily="34" charset="0"/>
-              <a:buChar char="•"/>
-            </a:pPr>
-            <a:endParaRPr lang="en-US" sz="2000"/>
-          </a:p>
-          <a:p>
-            <a:pPr marL="342900" indent="-342900">
-              <a:buFont typeface="Arial" panose="020B0604020202020204" pitchFamily="34" charset="0"/>
-              <a:buChar char="•"/>
-            </a:pPr>
-            <a:endParaRPr lang="en-US" sz="2000"/>
-          </a:p>
-          <a:p>
-            <a:pPr marL="342900" indent="-342900">
-              <a:buFont typeface="Arial" panose="020B0604020202020204" pitchFamily="34" charset="0"/>
-              <a:buChar char="•"/>
-            </a:pPr>
-            <a:endParaRPr lang="en-US" sz="2000"/>
-          </a:p>
-          <a:p>
-            <a:pPr marL="342900" indent="-342900">
-              <a:buFont typeface="Arial" panose="020B0604020202020204" pitchFamily="34" charset="0"/>
-              <a:buChar char="•"/>
-            </a:pPr>
-            <a:r>
-              <a:rPr lang="en-US" sz="2000"/>
-              <a:t>More detail about </a:t>
-            </a:r>
-            <a:r>
-              <a:rPr lang="en-US" sz="2000" b="1"/>
-              <a:t>Model </a:t>
-            </a:r>
-            <a:r>
-              <a:rPr lang="en-US" sz="2000"/>
-              <a:t>and it’s </a:t>
-            </a:r>
-            <a:r>
-              <a:rPr lang="en-US" sz="2000" b="1"/>
-              <a:t>relationship </a:t>
-            </a:r>
-            <a:r>
-              <a:rPr lang="en-US" sz="2000"/>
-              <a:t>will be explained in the next slide.</a:t>
-            </a:r>
-            <a:endParaRPr lang="en-US" sz="2000"/>
           </a:p>
         </p:txBody>
       </p:sp>
